--- a/Presentation2.pptx
+++ b/Presentation2.pptx
@@ -145,6 +145,8 @@
 <file path=ppt/revisionInfo.xml><?xml version="1.0" encoding="utf-8"?>
 <p1510:revInfo xmlns:a="http://schemas.openxmlformats.org/drawingml/2006/main" xmlns:r="http://schemas.openxmlformats.org/officeDocument/2006/relationships" xmlns:p1510="http://schemas.microsoft.com/office/powerpoint/2015/10/main">
   <p1510:revLst>
+    <p1510:client id="{4F3AAD2A-E3A6-7740-4798-8C87CE52C03B}" v="363" dt="2024-04-21T03:24:55.807"/>
+    <p1510:client id="{684DCA0B-53CF-A864-B903-AC4F7CC1F846}" v="87" dt="2024-04-21T06:56:56.291"/>
     <p1510:client id="{A06DDBBA-F856-95CC-9BA5-97D9A75BC8D5}" v="968" dt="2024-04-21T01:07:19.454"/>
   </p1510:revLst>
 </p1510:revInfo>
@@ -12735,6 +12737,61 @@
           </a:p>
         </p:txBody>
       </p:sp>
+      <p:sp>
+        <p:nvSpPr>
+          <p:cNvPr id="4" name="TextBox 3">
+            <a:extLst>
+              <a:ext uri="{FF2B5EF4-FFF2-40B4-BE49-F238E27FC236}">
+                <a16:creationId xmlns:a16="http://schemas.microsoft.com/office/drawing/2014/main" id="{5F5187D5-6E8F-C22A-F867-0979DDA06006}"/>
+              </a:ext>
+            </a:extLst>
+          </p:cNvPr>
+          <p:cNvSpPr txBox="1"/>
+          <p:nvPr/>
+        </p:nvSpPr>
+        <p:spPr>
+          <a:xfrm>
+            <a:off x="5976257" y="5203372"/>
+            <a:ext cx="2743200" cy="923330"/>
+          </a:xfrm>
+          <a:prstGeom prst="rect">
+            <a:avLst/>
+          </a:prstGeom>
+          <a:noFill/>
+        </p:spPr>
+        <p:txBody>
+          <a:bodyPr rot="0" spcFirstLastPara="0" vertOverflow="overflow" horzOverflow="overflow" vert="horz" wrap="square" lIns="91440" tIns="45720" rIns="91440" bIns="45720" numCol="1" spcCol="0" rtlCol="0" fromWordArt="0" anchor="t" anchorCtr="0" forceAA="0" compatLnSpc="1">
+            <a:prstTxWarp prst="textNoShape">
+              <a:avLst/>
+            </a:prstTxWarp>
+            <a:spAutoFit/>
+          </a:bodyPr>
+          <a:lstStyle/>
+          <a:p>
+            <a:r>
+              <a:rPr lang="en-US" dirty="0"/>
+              <a:t>ZIANI ABDELDAJLIL</a:t>
+            </a:r>
+          </a:p>
+          <a:p>
+            <a:r>
+              <a:rPr lang="en-US" dirty="0"/>
+              <a:t>Jaden Horst</a:t>
+            </a:r>
+          </a:p>
+          <a:p>
+            <a:r>
+              <a:rPr lang="en-US" err="1"/>
+              <a:t>Stirb</a:t>
+            </a:r>
+            <a:r>
+              <a:rPr lang="en-US"/>
+              <a:t> Calin-Alexandru</a:t>
+            </a:r>
+            <a:endParaRPr lang="en-US" dirty="0"/>
+          </a:p>
+        </p:txBody>
+      </p:sp>
     </p:spTree>
     <p:extLst>
       <p:ext uri="{BB962C8B-B14F-4D97-AF65-F5344CB8AC3E}">
@@ -12903,38 +12960,6 @@
           <a:chExt cx="0" cy="0"/>
         </a:xfrm>
       </p:grpSpPr>
-      <p:sp>
-        <p:nvSpPr>
-          <p:cNvPr id="2" name="Title 1">
-            <a:extLst>
-              <a:ext uri="{FF2B5EF4-FFF2-40B4-BE49-F238E27FC236}">
-                <a16:creationId xmlns:a16="http://schemas.microsoft.com/office/drawing/2014/main" id="{912DF434-28DB-4621-A497-D62C41CE0419}"/>
-              </a:ext>
-            </a:extLst>
-          </p:cNvPr>
-          <p:cNvSpPr>
-            <a:spLocks noGrp="1"/>
-          </p:cNvSpPr>
-          <p:nvPr>
-            <p:ph type="title"/>
-          </p:nvPr>
-        </p:nvSpPr>
-        <p:spPr>
-          <a:xfrm>
-            <a:off x="5549489" y="457199"/>
-            <a:ext cx="5943599" cy="1920240"/>
-          </a:xfrm>
-        </p:spPr>
-        <p:txBody>
-          <a:bodyPr anchor="b">
-            <a:normAutofit/>
-          </a:bodyPr>
-          <a:lstStyle/>
-          <a:p>
-            <a:endParaRPr lang="en-US" dirty="0"/>
-          </a:p>
-        </p:txBody>
-      </p:sp>
       <p:pic>
         <p:nvPicPr>
           <p:cNvPr id="8" name="Picture 7" descr="A red heart with lines drawn on it&#10;&#10;Description automatically generated">
@@ -12999,43 +13024,15 @@
                 <a:ea typeface="+mn-lt"/>
                 <a:cs typeface="+mn-lt"/>
               </a:rPr>
-              <a:t>How many times have you been looking for a product but it </a:t>
+              <a:t>How many times have you been looking for a product but it wasn't available ? </a:t>
             </a:r>
-            <a:r>
-              <a:rPr lang="en-US" dirty="0" err="1">
-                <a:ea typeface="+mn-lt"/>
-                <a:cs typeface="+mn-lt"/>
-              </a:rPr>
-              <a:t>was'nt</a:t>
-            </a:r>
-            <a:r>
-              <a:rPr lang="en-US" dirty="0">
-                <a:ea typeface="+mn-lt"/>
-                <a:cs typeface="+mn-lt"/>
-              </a:rPr>
-              <a:t> </a:t>
-            </a:r>
-            <a:r>
-              <a:rPr lang="en-US" dirty="0" err="1">
-                <a:ea typeface="+mn-lt"/>
-                <a:cs typeface="+mn-lt"/>
-              </a:rPr>
-              <a:t>availible</a:t>
-            </a:r>
-            <a:r>
-              <a:rPr lang="en-US" dirty="0">
-                <a:ea typeface="+mn-lt"/>
-                <a:cs typeface="+mn-lt"/>
-              </a:rPr>
-              <a:t> ?</a:t>
-            </a:r>
-            <a:endParaRPr lang="en-US" dirty="0"/>
+            <a:endParaRPr lang="en-US"/>
           </a:p>
           <a:p>
             <a:pPr marL="283210" indent="-283210"/>
             <a:r>
               <a:rPr lang="en-US" dirty="0"/>
-              <a:t>Electrocardiogram ECG</a:t>
+              <a:t>Question</a:t>
             </a:r>
           </a:p>
           <a:p>
@@ -13151,7 +13148,7 @@
                 <a:ea typeface="+mn-lt"/>
                 <a:cs typeface="+mn-lt"/>
               </a:rPr>
-              <a:t>Study conducted in 2019 among adults in Manaus.</a:t>
+              <a:t>Study conducted in 2019 among adults in Brazil.</a:t>
             </a:r>
             <a:endParaRPr lang="en-US" sz="1800" dirty="0"/>
           </a:p>
@@ -13160,13 +13157,6 @@
               <a:buFont typeface="Arial"/>
               <a:buChar char="•"/>
             </a:pPr>
-            <a:r>
-              <a:rPr lang="en-US" sz="1800" dirty="0">
-                <a:ea typeface="+mn-lt"/>
-                <a:cs typeface="+mn-lt"/>
-              </a:rPr>
-              <a:t>Medication Consumption: Over 53.2% participants had used medication in the past two weeks.</a:t>
-            </a:r>
             <a:endParaRPr lang="en-US" sz="1800" dirty="0"/>
           </a:p>
           <a:p>
@@ -13191,13 +13181,6 @@
               <a:buFont typeface="Arial"/>
               <a:buChar char="•"/>
             </a:pPr>
-            <a:r>
-              <a:rPr lang="en-US" sz="1800" dirty="0">
-                <a:ea typeface="+mn-lt"/>
-                <a:cs typeface="+mn-lt"/>
-              </a:rPr>
-              <a:t>Main Barrier: Lack of financial resources was the primary reason for not accessing treatments.</a:t>
-            </a:r>
             <a:endParaRPr lang="en-US" sz="1800" dirty="0"/>
           </a:p>
         </p:txBody>
@@ -13226,11 +13209,11 @@
         </p:spPr>
         <p:txBody>
           <a:bodyPr vert="horz" lIns="91440" tIns="45720" rIns="91440" bIns="45720" rtlCol="0" anchor="t">
-            <a:normAutofit lnSpcReduction="10000"/>
+            <a:normAutofit/>
           </a:bodyPr>
           <a:lstStyle/>
           <a:p>
-            <a:endParaRPr lang="en-US" dirty="0"/>
+            <a:endParaRPr lang="en-US"/>
           </a:p>
           <a:p>
             <a:r>
@@ -13238,9 +13221,14 @@
                 <a:ea typeface="+mn-lt"/>
                 <a:cs typeface="+mn-lt"/>
               </a:rPr>
-              <a:t>Access Disparities: Individuals with poorer health status and chronic diseases faced greater difficulty accessing treatments.</a:t>
+              <a:t>Individuals with chronic diseases faced greater difficulty accessing treatments.</a:t>
             </a:r>
-            <a:endParaRPr lang="en-US" dirty="0"/>
+          </a:p>
+          <a:p>
+            <a:endParaRPr lang="en-US" dirty="0">
+              <a:ea typeface="+mn-lt"/>
+              <a:cs typeface="+mn-lt"/>
+            </a:endParaRPr>
           </a:p>
           <a:p>
             <a:r>
@@ -13248,19 +13236,8 @@
                 <a:ea typeface="+mn-lt"/>
                 <a:cs typeface="+mn-lt"/>
               </a:rPr>
-              <a:t>Implications: Highlighted disparities in medication access, particularly affecting vulnerable groups.</a:t>
+              <a:t>Improve medication access for vulnerable populations.</a:t>
             </a:r>
-            <a:endParaRPr lang="en-US" dirty="0"/>
-          </a:p>
-          <a:p>
-            <a:r>
-              <a:rPr lang="en-US" dirty="0">
-                <a:ea typeface="+mn-lt"/>
-                <a:cs typeface="+mn-lt"/>
-              </a:rPr>
-              <a:t> Emphasized the need for targeted interventions to improve medication access for vulnerable populations.</a:t>
-            </a:r>
-            <a:endParaRPr lang="en-US" dirty="0"/>
           </a:p>
         </p:txBody>
       </p:sp>
@@ -13335,13 +13312,6 @@
             <a:br>
               <a:rPr lang="en-US" sz="2000" b="0" dirty="0"/>
             </a:br>
-            <a:endParaRPr lang="en-US" sz="2000" dirty="0"/>
-          </a:p>
-          <a:p>
-            <a:r>
-              <a:rPr lang="en-US" sz="2000" b="0" dirty="0"/>
-              <a:t>.Used technologies</a:t>
-            </a:r>
             <a:br>
               <a:rPr lang="en-US" sz="2000" b="0" dirty="0"/>
             </a:br>
@@ -13358,11 +13328,20 @@
             <a:endParaRPr lang="en-US" sz="2000" b="0" dirty="0"/>
           </a:p>
           <a:p>
+            <a:endParaRPr lang="en-US" sz="2000" b="0" dirty="0">
+              <a:latin typeface="Segoe UI"/>
+              <a:cs typeface="Segoe UI"/>
+            </a:endParaRPr>
+          </a:p>
+          <a:p>
             <a:r>
-              <a:rPr lang="en-US" sz="2000" b="0" dirty="0"/>
-              <a:t>.Conclusions </a:t>
+              <a:rPr lang="en-US" sz="2000" b="0" dirty="0">
+                <a:latin typeface="Segoe UI"/>
+                <a:cs typeface="Segoe UI"/>
+              </a:rPr>
+              <a:t>.Used technologies</a:t>
             </a:r>
-            <a:endParaRPr lang="en-US" sz="2000" dirty="0"/>
+            <a:endParaRPr lang="en-US" dirty="0"/>
           </a:p>
         </p:txBody>
       </p:sp>
@@ -13769,9 +13748,9 @@
                 <a:ea typeface="+mj-lt"/>
                 <a:cs typeface="+mj-lt"/>
               </a:rPr>
-              <a:t>Projected Profits Analysis</a:t>
+              <a:t>Project's Profits Analysis</a:t>
             </a:r>
-            <a:endParaRPr lang="en-US" sz="4400"/>
+            <a:endParaRPr lang="en-US" sz="4400" dirty="0"/>
           </a:p>
         </p:txBody>
       </p:sp>
@@ -13799,7 +13778,7 @@
         </p:spPr>
         <p:txBody>
           <a:bodyPr vert="horz" lIns="91440" tIns="45720" rIns="91440" bIns="45720" rtlCol="0" anchor="t">
-            <a:normAutofit fontScale="92500" lnSpcReduction="10000"/>
+            <a:normAutofit/>
           </a:bodyPr>
           <a:lstStyle/>
           <a:p>
@@ -13808,7 +13787,7 @@
                 <a:ea typeface="+mn-lt"/>
                 <a:cs typeface="+mn-lt"/>
               </a:rPr>
-              <a:t>Subscription &amp; sales </a:t>
+              <a:t>Sales </a:t>
             </a:r>
             <a:endParaRPr lang="en-US" dirty="0">
               <a:ea typeface="+mn-lt"/>
@@ -13817,62 +13796,55 @@
           </a:p>
           <a:p>
             <a:r>
+              <a:rPr lang="en-US" sz="3200" dirty="0">
+                <a:ea typeface="+mn-lt"/>
+                <a:cs typeface="+mn-lt"/>
+              </a:rPr>
+              <a:t>Analysis</a:t>
+            </a:r>
+            <a:endParaRPr lang="en-US" sz="2400" dirty="0">
+              <a:ea typeface="+mn-lt"/>
+              <a:cs typeface="+mn-lt"/>
+            </a:endParaRPr>
+          </a:p>
+          <a:p>
+            <a:r>
               <a:rPr lang="en-US" sz="2400" dirty="0">
                 <a:ea typeface="+mn-lt"/>
                 <a:cs typeface="+mn-lt"/>
               </a:rPr>
-              <a:t>6 months of free subscription</a:t>
+              <a:t>the most demanded medicines</a:t>
             </a:r>
-            <a:endParaRPr lang="en-US" sz="2400" dirty="0"/>
           </a:p>
           <a:p>
             <a:r>
-              <a:rPr lang="en-US" sz="3200" dirty="0">
+              <a:rPr lang="en-US" sz="3200" dirty="0"/>
+              <a:t>Invest</a:t>
+            </a:r>
+          </a:p>
+          <a:p>
+            <a:r>
+              <a:rPr lang="en-US" sz="2400" dirty="0">
                 <a:ea typeface="+mn-lt"/>
                 <a:cs typeface="+mn-lt"/>
               </a:rPr>
-              <a:t>Analyse</a:t>
+              <a:t> Ads and </a:t>
+            </a:r>
+            <a:r>
+              <a:rPr lang="en-US" sz="2400" dirty="0" err="1">
+                <a:ea typeface="+mn-lt"/>
+                <a:cs typeface="+mn-lt"/>
+              </a:rPr>
+              <a:t>sponsers</a:t>
             </a:r>
             <a:r>
               <a:rPr lang="en-US" sz="2400" dirty="0">
                 <a:ea typeface="+mn-lt"/>
                 <a:cs typeface="+mn-lt"/>
               </a:rPr>
-              <a:t> </a:t>
-            </a:r>
-          </a:p>
-          <a:p>
-            <a:r>
-              <a:rPr lang="en-US" sz="2400" dirty="0">
-                <a:ea typeface="+mn-lt"/>
-                <a:cs typeface="+mn-lt"/>
-              </a:rPr>
-              <a:t>the most demanded medicines, and the technics </a:t>
-            </a:r>
-            <a:endParaRPr lang="en-US"/>
-          </a:p>
-          <a:p>
-            <a:r>
-              <a:rPr lang="en-US" sz="3200" dirty="0">
-                <a:ea typeface="+mn-lt"/>
-                <a:cs typeface="+mn-lt"/>
-              </a:rPr>
-              <a:t>Invest  </a:t>
+              <a:t> </a:t>
             </a:r>
             <a:endParaRPr lang="en-US" dirty="0">
-              <a:ea typeface="+mn-lt"/>
-              <a:cs typeface="+mn-lt"/>
-            </a:endParaRPr>
-          </a:p>
-          <a:p>
-            <a:r>
-              <a:rPr lang="en-US" sz="2400" dirty="0">
-                <a:ea typeface="+mn-lt"/>
-                <a:cs typeface="+mn-lt"/>
-              </a:rPr>
-              <a:t>in adds and hiring influences  to get more users as possible </a:t>
-            </a:r>
-            <a:endParaRPr lang="en-US">
               <a:ea typeface="+mn-lt"/>
               <a:cs typeface="+mn-lt"/>
             </a:endParaRPr>
@@ -13956,8 +13928,8 @@
         </p:nvSpPr>
         <p:spPr>
           <a:xfrm>
-            <a:off x="1167492" y="136526"/>
-            <a:ext cx="9779183" cy="1570038"/>
+            <a:off x="2680606" y="288925"/>
+            <a:ext cx="9779183" cy="851581"/>
           </a:xfrm>
         </p:spPr>
         <p:txBody>
@@ -13966,7 +13938,7 @@
           <a:p>
             <a:r>
               <a:rPr lang="en-US" dirty="0"/>
-              <a:t>Speaking engagement metrics</a:t>
+              <a:t>Advantages of the country</a:t>
             </a:r>
           </a:p>
         </p:txBody>
@@ -13987,14 +13959,14 @@
             <p:ph idx="1"/>
             <p:extLst>
               <p:ext uri="{D42A27DB-BD31-4B8C-83A1-F6EECF244321}">
-                <p14:modId xmlns:p14="http://schemas.microsoft.com/office/powerpoint/2010/main" val="1193203185"/>
+                <p14:modId xmlns:p14="http://schemas.microsoft.com/office/powerpoint/2010/main" val="3275822269"/>
               </p:ext>
             </p:extLst>
           </p:nvPr>
         </p:nvGraphicFramePr>
         <p:xfrm>
-          <a:off x="2471449" y="1841933"/>
-          <a:ext cx="7373768" cy="4564380"/>
+          <a:off x="2406135" y="1558904"/>
+          <a:ext cx="7373767" cy="5151120"/>
         </p:xfrm>
         <a:graphic>
           <a:graphicData uri="http://schemas.openxmlformats.org/drawingml/2006/table">
@@ -14010,7 +13982,7 @@
                     </a:ext>
                   </a:extLst>
                 </a:gridCol>
-                <a:gridCol w="3804299">
+                <a:gridCol w="3804298">
                   <a:extLst>
                     <a:ext uri="{9D8B030D-6E8A-4147-A177-3AD203B41FA5}">
                       <a16:colId xmlns:a16="http://schemas.microsoft.com/office/drawing/2014/main" val="4277526474"/>
@@ -14028,7 +14000,7 @@
                         <a:buNone/>
                       </a:pPr>
                       <a:r>
-                        <a:rPr lang="en-US" sz="1800" dirty="0"/>
+                        <a:rPr lang="en-US" sz="3600" dirty="0"/>
                         <a:t>country</a:t>
                       </a:r>
                     </a:p>
@@ -14073,7 +14045,7 @@
                         <a:buNone/>
                       </a:pPr>
                       <a:r>
-                        <a:rPr lang="en-US" sz="1800" b="1" i="0" u="none" strike="noStrike" noProof="0" dirty="0">
+                        <a:rPr lang="en-US" sz="3600" b="1" i="0" u="none" strike="noStrike" noProof="0" dirty="0">
                           <a:solidFill>
                             <a:srgbClr val="FFFFFF"/>
                           </a:solidFill>
@@ -14107,7 +14079,7 @@
                         <a:buNone/>
                       </a:pPr>
                       <a:r>
-                        <a:rPr lang="en-US" sz="1500" b="0" i="0" u="none" strike="noStrike" noProof="0" dirty="0">
+                        <a:rPr lang="en-US" sz="2800" b="0" i="0" u="none" strike="noStrike" noProof="0" dirty="0">
                           <a:solidFill>
                             <a:schemeClr val="tx1"/>
                           </a:solidFill>
@@ -14115,7 +14087,7 @@
                         </a:rPr>
                         <a:t>ROMANIA </a:t>
                       </a:r>
-                      <a:endParaRPr lang="en-US" dirty="0"/>
+                      <a:endParaRPr lang="en-US" sz="2800"/>
                     </a:p>
                   </a:txBody>
                   <a:tcPr anchor="ctr"/>
@@ -14277,64 +14249,7 @@
                       </a:pPr>
                       <a:r>
                         <a:rPr lang="en-US" dirty="0"/>
-                        <a:t>BELGIUM</a:t>
-                      </a:r>
-                    </a:p>
-                  </a:txBody>
-                  <a:tcPr anchor="ctr"/>
-                </a:tc>
-                <a:tc>
-                  <a:txBody>
-                    <a:bodyPr/>
-                    <a:lstStyle/>
-                    <a:p>
-                      <a:pPr lvl="0" algn="ctr">
-                        <a:lnSpc>
-                          <a:spcPct val="100000"/>
-                        </a:lnSpc>
-                        <a:spcBef>
-                          <a:spcPts val="0"/>
-                        </a:spcBef>
-                        <a:spcAft>
-                          <a:spcPts val="0"/>
-                        </a:spcAft>
-                        <a:buNone/>
-                      </a:pPr>
-                      <a:r>
-                        <a:rPr lang="en-US" sz="2400" b="0" i="0" u="none" strike="noStrike" noProof="0" dirty="0">
-                          <a:solidFill>
-                            <a:schemeClr val="tx1"/>
-                          </a:solidFill>
-                        </a:rPr>
-                        <a:t>2,227 </a:t>
-                      </a:r>
-                      <a:endParaRPr lang="en-US" sz="2400"/>
-                    </a:p>
-                    <a:p>
-                      <a:pPr lvl="0" algn="ctr">
-                        <a:buNone/>
-                      </a:pPr>
-                      <a:endParaRPr lang="en-US" dirty="0"/>
-                    </a:p>
-                  </a:txBody>
-                  <a:tcPr anchor="ctr"/>
-                </a:tc>
-                <a:extLst>
-                  <a:ext uri="{0D108BD9-81ED-4DB2-BD59-A6C34878D82A}">
-                    <a16:rowId xmlns:a16="http://schemas.microsoft.com/office/drawing/2014/main" val="3936251906"/>
-                  </a:ext>
-                </a:extLst>
-              </a:tr>
-              <a:tr h="647700">
-                <a:tc>
-                  <a:txBody>
-                    <a:bodyPr/>
-                    <a:lstStyle/>
-                    <a:p>
-                      <a:pPr algn="ctr"/>
-                      <a:r>
-                        <a:rPr lang="en-US" dirty="0"/>
-                        <a:t> </a:t>
+                        <a:t> </a:t>
                       </a:r>
                       <a:r>
                         <a:rPr lang="en-US" sz="1800" b="0" i="0" u="none" strike="noStrike" noProof="0" dirty="0">
@@ -14365,28 +14280,17 @@
                         <a:buNone/>
                       </a:pPr>
                       <a:r>
-                        <a:rPr lang="en-US" sz="2000" b="0" i="0" u="none" strike="noStrike" noProof="0" dirty="0">
+                        <a:rPr lang="en-US" sz="2600" b="0" i="0" u="none" strike="noStrike" noProof="0" dirty="0">
                           <a:solidFill>
                             <a:schemeClr val="tx1"/>
                           </a:solidFill>
                         </a:rPr>
                         <a:t>2,852 </a:t>
                       </a:r>
-                      <a:endParaRPr lang="en-US" sz="2000" b="0" i="0" u="none" strike="noStrike" noProof="0">
+                      <a:endParaRPr lang="en-US" sz="2600" b="0" i="0" u="none" strike="noStrike" noProof="0" dirty="0">
                         <a:solidFill>
                           <a:srgbClr val="000000"/>
                         </a:solidFill>
-                      </a:endParaRPr>
-                    </a:p>
-                    <a:p>
-                      <a:pPr lvl="0" algn="ctr">
-                        <a:buNone/>
-                      </a:pPr>
-                      <a:endParaRPr lang="en-US" sz="2800" b="1" i="0" u="sng" strike="noStrike" noProof="0" dirty="0">
-                        <a:solidFill>
-                          <a:schemeClr val="tx1"/>
-                        </a:solidFill>
-                        <a:latin typeface="Arial"/>
                       </a:endParaRPr>
                     </a:p>
                   </a:txBody>
@@ -14394,7 +14298,66 @@
                 </a:tc>
                 <a:extLst>
                   <a:ext uri="{0D108BD9-81ED-4DB2-BD59-A6C34878D82A}">
-                    <a16:rowId xmlns:a16="http://schemas.microsoft.com/office/drawing/2014/main" val="568537164"/>
+                    <a16:rowId xmlns:a16="http://schemas.microsoft.com/office/drawing/2014/main" val="2074618685"/>
+                  </a:ext>
+                </a:extLst>
+              </a:tr>
+              <a:tr h="647700">
+                <a:tc>
+                  <a:txBody>
+                    <a:bodyPr/>
+                    <a:lstStyle/>
+                    <a:p>
+                      <a:pPr lvl="0" algn="ctr">
+                        <a:buNone/>
+                      </a:pPr>
+                      <a:r>
+                        <a:rPr lang="en-US" dirty="0"/>
+                        <a:t>BELGIUM</a:t>
+                      </a:r>
+                    </a:p>
+                  </a:txBody>
+                  <a:tcPr anchor="ctr"/>
+                </a:tc>
+                <a:tc>
+                  <a:txBody>
+                    <a:bodyPr/>
+                    <a:lstStyle/>
+                    <a:p>
+                      <a:pPr lvl="0" algn="ctr">
+                        <a:lnSpc>
+                          <a:spcPct val="100000"/>
+                        </a:lnSpc>
+                        <a:spcBef>
+                          <a:spcPts val="0"/>
+                        </a:spcBef>
+                        <a:spcAft>
+                          <a:spcPts val="0"/>
+                        </a:spcAft>
+                        <a:buNone/>
+                      </a:pPr>
+                      <a:r>
+                        <a:rPr lang="en-US" sz="2000" b="0" i="0" u="none" strike="noStrike" noProof="0" dirty="0">
+                          <a:solidFill>
+                            <a:schemeClr val="tx1"/>
+                          </a:solidFill>
+                        </a:rPr>
+                        <a:t>2,227 </a:t>
+                      </a:r>
+                      <a:endParaRPr lang="en-US" sz="2000"/>
+                    </a:p>
+                    <a:p>
+                      <a:pPr lvl="0" algn="ctr">
+                        <a:buNone/>
+                      </a:pPr>
+                      <a:endParaRPr lang="en-US" dirty="0"/>
+                    </a:p>
+                  </a:txBody>
+                  <a:tcPr anchor="ctr"/>
+                </a:tc>
+                <a:extLst>
+                  <a:ext uri="{0D108BD9-81ED-4DB2-BD59-A6C34878D82A}">
+                    <a16:rowId xmlns:a16="http://schemas.microsoft.com/office/drawing/2014/main" val="3936251906"/>
                   </a:ext>
                 </a:extLst>
               </a:tr>
@@ -14487,143 +14450,416 @@
         </p:nvSpPr>
         <p:spPr>
           <a:xfrm>
-            <a:off x="1166813" y="2652713"/>
-            <a:ext cx="9780587" cy="3436937"/>
+            <a:off x="600756" y="2837770"/>
+            <a:ext cx="4686073" cy="3436937"/>
           </a:xfrm>
         </p:spPr>
         <p:txBody>
           <a:bodyPr vert="horz" lIns="91440" tIns="45720" rIns="91440" bIns="45720" rtlCol="0" anchor="t">
-            <a:normAutofit fontScale="85000" lnSpcReduction="20000"/>
+            <a:noAutofit/>
           </a:bodyPr>
           <a:lstStyle/>
           <a:p>
             <a:pPr indent="-283210"/>
             <a:r>
-              <a:rPr lang="en-US" dirty="0">
+              <a:rPr lang="en-US" sz="3200" dirty="0">
                 <a:ea typeface="+mn-lt"/>
                 <a:cs typeface="+mn-lt"/>
               </a:rPr>
               <a:t>Database</a:t>
             </a:r>
-            <a:endParaRPr lang="en-US" dirty="0"/>
+            <a:endParaRPr lang="en-US" sz="3200" dirty="0"/>
           </a:p>
           <a:p>
             <a:pPr indent="-283210"/>
             <a:r>
-              <a:rPr lang="en-US" dirty="0">
+              <a:rPr lang="en-US" sz="3200" dirty="0">
                 <a:ea typeface="+mn-lt"/>
                 <a:cs typeface="+mn-lt"/>
               </a:rPr>
               <a:t>Relational database</a:t>
             </a:r>
-            <a:endParaRPr lang="en-US" dirty="0"/>
+            <a:endParaRPr lang="en-US" sz="3200" dirty="0"/>
           </a:p>
           <a:p>
             <a:pPr indent="-283210"/>
             <a:r>
-              <a:rPr lang="en-US" dirty="0">
+              <a:rPr lang="en-US" sz="3200" dirty="0">
                 <a:ea typeface="+mn-lt"/>
                 <a:cs typeface="+mn-lt"/>
               </a:rPr>
               <a:t>MySQL</a:t>
             </a:r>
-            <a:endParaRPr lang="en-US" dirty="0"/>
+            <a:endParaRPr lang="en-US" sz="3200" dirty="0"/>
           </a:p>
           <a:p>
             <a:pPr indent="-283210"/>
             <a:r>
-              <a:rPr lang="en-US" dirty="0">
+              <a:rPr lang="en-US" sz="3200" dirty="0">
                 <a:ea typeface="+mn-lt"/>
                 <a:cs typeface="+mn-lt"/>
               </a:rPr>
               <a:t>Back-end</a:t>
             </a:r>
-            <a:endParaRPr lang="en-US" dirty="0"/>
+            <a:endParaRPr lang="en-US" sz="3200" dirty="0"/>
           </a:p>
           <a:p>
             <a:pPr indent="-283210"/>
             <a:r>
-              <a:rPr lang="en-US" dirty="0">
+              <a:rPr lang="en-US" sz="3200" dirty="0">
                 <a:ea typeface="+mn-lt"/>
                 <a:cs typeface="+mn-lt"/>
               </a:rPr>
               <a:t>Object Oriented Programming</a:t>
             </a:r>
-            <a:endParaRPr lang="en-US" dirty="0"/>
+            <a:endParaRPr lang="en-US" sz="3200" dirty="0"/>
+          </a:p>
+          <a:p>
+            <a:pPr marL="59690" indent="0">
+              <a:buNone/>
+            </a:pPr>
+            <a:endParaRPr lang="en-US" sz="3200" dirty="0"/>
+          </a:p>
+          <a:p>
+            <a:pPr indent="-283210"/>
+            <a:endParaRPr lang="en-US" sz="3200" dirty="0"/>
+          </a:p>
+          <a:p>
+            <a:pPr indent="-283210"/>
+            <a:endParaRPr lang="en-US" sz="3200" dirty="0"/>
+          </a:p>
+          <a:p>
+            <a:pPr indent="-283210"/>
+            <a:endParaRPr lang="en-US" sz="3200" dirty="0"/>
+          </a:p>
+        </p:txBody>
+      </p:sp>
+      <p:sp>
+        <p:nvSpPr>
+          <p:cNvPr id="4" name="Content Placeholder 2">
+            <a:extLst>
+              <a:ext uri="{FF2B5EF4-FFF2-40B4-BE49-F238E27FC236}">
+                <a16:creationId xmlns:a16="http://schemas.microsoft.com/office/drawing/2014/main" id="{B203F2D0-BFB2-1A18-C237-46D8A32F3081}"/>
+              </a:ext>
+            </a:extLst>
+          </p:cNvPr>
+          <p:cNvSpPr txBox="1">
+            <a:spLocks/>
+          </p:cNvSpPr>
+          <p:nvPr/>
+        </p:nvSpPr>
+        <p:spPr>
+          <a:xfrm>
+            <a:off x="6261327" y="2282599"/>
+            <a:ext cx="4686073" cy="3436937"/>
+          </a:xfrm>
+          <a:prstGeom prst="rect">
+            <a:avLst/>
+          </a:prstGeom>
+        </p:spPr>
+        <p:txBody>
+          <a:bodyPr vert="horz" lIns="91440" tIns="45720" rIns="91440" bIns="45720" rtlCol="0" anchor="t">
+            <a:noAutofit/>
+          </a:bodyPr>
+          <a:lstStyle>
+            <a:lvl1pPr marL="342900" indent="-283464" algn="l" defTabSz="914400" rtl="0" eaLnBrk="1" latinLnBrk="0" hangingPunct="1">
+              <a:lnSpc>
+                <a:spcPct val="90000"/>
+              </a:lnSpc>
+              <a:spcBef>
+                <a:spcPts val="1000"/>
+              </a:spcBef>
+              <a:buFont typeface="Arial" panose="020B0604020202020204" pitchFamily="34" charset="0"/>
+              <a:buChar char="•"/>
+              <a:defRPr sz="2000" kern="1200">
+                <a:solidFill>
+                  <a:schemeClr val="bg1"/>
+                </a:solidFill>
+                <a:latin typeface="+mn-lt"/>
+                <a:ea typeface="+mn-ea"/>
+                <a:cs typeface="+mn-cs"/>
+              </a:defRPr>
+            </a:lvl1pPr>
+            <a:lvl2pPr marL="566928" indent="-283464" algn="l" defTabSz="914400" rtl="0" eaLnBrk="1" latinLnBrk="0" hangingPunct="1">
+              <a:lnSpc>
+                <a:spcPct val="90000"/>
+              </a:lnSpc>
+              <a:spcBef>
+                <a:spcPts val="1000"/>
+              </a:spcBef>
+              <a:buFont typeface="Arial" panose="020B0604020202020204" pitchFamily="34" charset="0"/>
+              <a:buChar char="•"/>
+              <a:defRPr sz="2000" kern="1200">
+                <a:solidFill>
+                  <a:schemeClr val="bg1"/>
+                </a:solidFill>
+                <a:latin typeface="+mn-lt"/>
+                <a:ea typeface="+mn-ea"/>
+                <a:cs typeface="+mn-cs"/>
+              </a:defRPr>
+            </a:lvl2pPr>
+            <a:lvl3pPr marL="850392" indent="-283464" algn="l" defTabSz="914400" rtl="0" eaLnBrk="1" latinLnBrk="0" hangingPunct="1">
+              <a:lnSpc>
+                <a:spcPct val="90000"/>
+              </a:lnSpc>
+              <a:spcBef>
+                <a:spcPts val="1000"/>
+              </a:spcBef>
+              <a:buFont typeface="Arial" panose="020B0604020202020204" pitchFamily="34" charset="0"/>
+              <a:buChar char="•"/>
+              <a:defRPr sz="2000" kern="1200">
+                <a:solidFill>
+                  <a:schemeClr val="bg1"/>
+                </a:solidFill>
+                <a:latin typeface="+mn-lt"/>
+                <a:ea typeface="+mn-ea"/>
+                <a:cs typeface="+mn-cs"/>
+              </a:defRPr>
+            </a:lvl3pPr>
+            <a:lvl4pPr marL="1097280" indent="-283464" algn="l" defTabSz="914400" rtl="0" eaLnBrk="1" latinLnBrk="0" hangingPunct="1">
+              <a:lnSpc>
+                <a:spcPct val="90000"/>
+              </a:lnSpc>
+              <a:spcBef>
+                <a:spcPts val="1000"/>
+              </a:spcBef>
+              <a:buFont typeface="Arial" panose="020B0604020202020204" pitchFamily="34" charset="0"/>
+              <a:buChar char="•"/>
+              <a:defRPr sz="2000" kern="1200">
+                <a:solidFill>
+                  <a:schemeClr val="bg1"/>
+                </a:solidFill>
+                <a:latin typeface="+mn-lt"/>
+                <a:ea typeface="+mn-ea"/>
+                <a:cs typeface="+mn-cs"/>
+              </a:defRPr>
+            </a:lvl4pPr>
+            <a:lvl5pPr marL="1371600" indent="-283464" algn="l" defTabSz="914400" rtl="0" eaLnBrk="1" latinLnBrk="0" hangingPunct="1">
+              <a:lnSpc>
+                <a:spcPct val="90000"/>
+              </a:lnSpc>
+              <a:spcBef>
+                <a:spcPts val="1000"/>
+              </a:spcBef>
+              <a:buFont typeface="Arial" panose="020B0604020202020204" pitchFamily="34" charset="0"/>
+              <a:buChar char="•"/>
+              <a:defRPr sz="2000" kern="1200">
+                <a:solidFill>
+                  <a:schemeClr val="bg1"/>
+                </a:solidFill>
+                <a:latin typeface="+mn-lt"/>
+                <a:ea typeface="+mn-ea"/>
+                <a:cs typeface="+mn-cs"/>
+              </a:defRPr>
+            </a:lvl5pPr>
+            <a:lvl6pPr marL="2514600" indent="-228600" algn="l" defTabSz="914400" rtl="0" eaLnBrk="1" latinLnBrk="0" hangingPunct="1">
+              <a:lnSpc>
+                <a:spcPct val="90000"/>
+              </a:lnSpc>
+              <a:spcBef>
+                <a:spcPts val="500"/>
+              </a:spcBef>
+              <a:buFont typeface="Arial" panose="020B0604020202020204" pitchFamily="34" charset="0"/>
+              <a:buChar char="•"/>
+              <a:defRPr sz="1800" kern="1200">
+                <a:solidFill>
+                  <a:schemeClr val="tx1"/>
+                </a:solidFill>
+                <a:latin typeface="+mn-lt"/>
+                <a:ea typeface="+mn-ea"/>
+                <a:cs typeface="+mn-cs"/>
+              </a:defRPr>
+            </a:lvl6pPr>
+            <a:lvl7pPr marL="2971800" indent="-228600" algn="l" defTabSz="914400" rtl="0" eaLnBrk="1" latinLnBrk="0" hangingPunct="1">
+              <a:lnSpc>
+                <a:spcPct val="90000"/>
+              </a:lnSpc>
+              <a:spcBef>
+                <a:spcPts val="500"/>
+              </a:spcBef>
+              <a:buFont typeface="Arial" panose="020B0604020202020204" pitchFamily="34" charset="0"/>
+              <a:buChar char="•"/>
+              <a:defRPr sz="1800" kern="1200">
+                <a:solidFill>
+                  <a:schemeClr val="tx1"/>
+                </a:solidFill>
+                <a:latin typeface="+mn-lt"/>
+                <a:ea typeface="+mn-ea"/>
+                <a:cs typeface="+mn-cs"/>
+              </a:defRPr>
+            </a:lvl7pPr>
+            <a:lvl8pPr marL="3429000" indent="-228600" algn="l" defTabSz="914400" rtl="0" eaLnBrk="1" latinLnBrk="0" hangingPunct="1">
+              <a:lnSpc>
+                <a:spcPct val="90000"/>
+              </a:lnSpc>
+              <a:spcBef>
+                <a:spcPts val="500"/>
+              </a:spcBef>
+              <a:buFont typeface="Arial" panose="020B0604020202020204" pitchFamily="34" charset="0"/>
+              <a:buChar char="•"/>
+              <a:defRPr sz="1800" kern="1200">
+                <a:solidFill>
+                  <a:schemeClr val="tx1"/>
+                </a:solidFill>
+                <a:latin typeface="+mn-lt"/>
+                <a:ea typeface="+mn-ea"/>
+                <a:cs typeface="+mn-cs"/>
+              </a:defRPr>
+            </a:lvl8pPr>
+            <a:lvl9pPr marL="3886200" indent="-228600" algn="l" defTabSz="914400" rtl="0" eaLnBrk="1" latinLnBrk="0" hangingPunct="1">
+              <a:lnSpc>
+                <a:spcPct val="90000"/>
+              </a:lnSpc>
+              <a:spcBef>
+                <a:spcPts val="500"/>
+              </a:spcBef>
+              <a:buFont typeface="Arial" panose="020B0604020202020204" pitchFamily="34" charset="0"/>
+              <a:buChar char="•"/>
+              <a:defRPr sz="1800" kern="1200">
+                <a:solidFill>
+                  <a:schemeClr val="tx1"/>
+                </a:solidFill>
+                <a:latin typeface="+mn-lt"/>
+                <a:ea typeface="+mn-ea"/>
+                <a:cs typeface="+mn-cs"/>
+              </a:defRPr>
+            </a:lvl9pPr>
+          </a:lstStyle>
+          <a:p>
+            <a:pPr marL="59690" indent="0">
+              <a:buNone/>
+            </a:pPr>
+            <a:endParaRPr lang="en-US" sz="3200" dirty="0">
+              <a:solidFill>
+                <a:srgbClr val="FFFFFF"/>
+              </a:solidFill>
+              <a:latin typeface="Arial"/>
+              <a:ea typeface="+mn-lt"/>
+              <a:cs typeface="Arial"/>
+            </a:endParaRPr>
           </a:p>
           <a:p>
             <a:pPr indent="-283210"/>
             <a:r>
-              <a:rPr lang="en-US" dirty="0">
+              <a:rPr lang="en-US" sz="3200" dirty="0">
+                <a:latin typeface="Arial"/>
                 <a:ea typeface="+mn-lt"/>
-                <a:cs typeface="+mn-lt"/>
+                <a:cs typeface="Arial"/>
               </a:rPr>
               <a:t>Java</a:t>
             </a:r>
-            <a:endParaRPr lang="en-US" dirty="0"/>
+            <a:endParaRPr lang="en-US" sz="3200">
+              <a:solidFill>
+                <a:srgbClr val="000000"/>
+              </a:solidFill>
+              <a:latin typeface="Arial"/>
+              <a:ea typeface="+mn-lt"/>
+              <a:cs typeface="Arial"/>
+            </a:endParaRPr>
           </a:p>
           <a:p>
             <a:pPr indent="-283210"/>
             <a:r>
-              <a:rPr lang="en-US" dirty="0">
+              <a:rPr lang="en-US" sz="3200" dirty="0">
+                <a:latin typeface="Arial"/>
                 <a:ea typeface="+mn-lt"/>
-                <a:cs typeface="+mn-lt"/>
+                <a:cs typeface="Arial"/>
               </a:rPr>
               <a:t>Spring-Boot</a:t>
             </a:r>
-            <a:endParaRPr lang="en-US" dirty="0"/>
+            <a:endParaRPr lang="en-US" sz="3200">
+              <a:solidFill>
+                <a:srgbClr val="000000"/>
+              </a:solidFill>
+              <a:latin typeface="Arial"/>
+              <a:ea typeface="+mn-lt"/>
+              <a:cs typeface="Arial"/>
+            </a:endParaRPr>
           </a:p>
           <a:p>
             <a:pPr indent="-283210"/>
             <a:r>
-              <a:rPr lang="en-US" dirty="0">
+              <a:rPr lang="en-US" sz="3200" dirty="0">
+                <a:latin typeface="Arial"/>
                 <a:ea typeface="+mn-lt"/>
-                <a:cs typeface="+mn-lt"/>
+                <a:cs typeface="Arial"/>
               </a:rPr>
-              <a:t>Frond-end</a:t>
+              <a:t>Frond-end &amp; Back-end</a:t>
             </a:r>
-            <a:endParaRPr lang="en-US" dirty="0"/>
+            <a:endParaRPr lang="en-US" sz="3200" dirty="0">
+              <a:solidFill>
+                <a:srgbClr val="FFFFFF"/>
+              </a:solidFill>
+              <a:latin typeface="Arial"/>
+              <a:ea typeface="+mn-lt"/>
+              <a:cs typeface="Arial"/>
+            </a:endParaRPr>
           </a:p>
           <a:p>
             <a:pPr indent="-283210"/>
             <a:r>
-              <a:rPr lang="en-US" dirty="0">
+              <a:rPr lang="en-US" sz="3200" dirty="0">
+                <a:latin typeface="Arial"/>
                 <a:ea typeface="+mn-lt"/>
-                <a:cs typeface="+mn-lt"/>
+                <a:cs typeface="Arial"/>
               </a:rPr>
               <a:t>JavaScript</a:t>
             </a:r>
-            <a:endParaRPr lang="en-US" dirty="0"/>
+            <a:endParaRPr lang="en-US" sz="3200">
+              <a:solidFill>
+                <a:srgbClr val="000000"/>
+              </a:solidFill>
+              <a:latin typeface="Arial"/>
+              <a:cs typeface="Arial"/>
+            </a:endParaRPr>
           </a:p>
           <a:p>
             <a:pPr indent="-283210"/>
             <a:r>
-              <a:rPr lang="en-US" dirty="0">
+              <a:rPr lang="en-US" sz="3200" dirty="0">
+                <a:latin typeface="Arial"/>
                 <a:ea typeface="+mn-lt"/>
-                <a:cs typeface="+mn-lt"/>
+                <a:cs typeface="Arial"/>
               </a:rPr>
               <a:t>CSS</a:t>
             </a:r>
-            <a:endParaRPr lang="en-US" dirty="0"/>
+            <a:endParaRPr lang="en-US" sz="3200">
+              <a:solidFill>
+                <a:srgbClr val="000000"/>
+              </a:solidFill>
+              <a:latin typeface="Arial"/>
+              <a:cs typeface="Arial"/>
+            </a:endParaRPr>
           </a:p>
           <a:p>
             <a:pPr indent="-283210"/>
             <a:r>
-              <a:rPr lang="en-US" dirty="0">
+              <a:rPr lang="en-US" sz="3200" dirty="0">
+                <a:latin typeface="Arial"/>
                 <a:ea typeface="+mn-lt"/>
-                <a:cs typeface="+mn-lt"/>
+                <a:cs typeface="Arial"/>
               </a:rPr>
               <a:t>React</a:t>
             </a:r>
-            <a:endParaRPr lang="en-US" dirty="0"/>
+            <a:endParaRPr lang="en-US" sz="3200">
+              <a:solidFill>
+                <a:srgbClr val="000000"/>
+              </a:solidFill>
+              <a:latin typeface="Arial"/>
+              <a:cs typeface="Arial"/>
+            </a:endParaRPr>
           </a:p>
           <a:p>
             <a:pPr indent="-283210"/>
-            <a:endParaRPr lang="en-US"/>
+            <a:endParaRPr lang="en-US" sz="3200" dirty="0"/>
           </a:p>
           <a:p>
             <a:pPr indent="-283210"/>
-            <a:endParaRPr lang="en-US" dirty="0"/>
+            <a:endParaRPr lang="en-US" sz="3200" dirty="0"/>
+          </a:p>
+          <a:p>
+            <a:pPr indent="-283210"/>
+            <a:endParaRPr lang="en-US" sz="3200" dirty="0"/>
           </a:p>
         </p:txBody>
       </p:sp>
@@ -15432,15 +15668,6 @@
 </file>
 
 <file path=customXml/item1.xml><?xml version="1.0" encoding="utf-8"?>
-<?mso-contentType ?>
-<FormTemplates xmlns="http://schemas.microsoft.com/sharepoint/v3/contenttype/forms">
-  <Display>DocumentLibraryForm</Display>
-  <Edit>DocumentLibraryForm</Edit>
-  <New>DocumentLibraryForm</New>
-</FormTemplates>
-</file>
-
-<file path=customXml/item2.xml><?xml version="1.0" encoding="utf-8"?>
 <p:properties xmlns:p="http://schemas.microsoft.com/office/2006/metadata/properties" xmlns:xsi="http://www.w3.org/2001/XMLSchema-instance" xmlns:pc="http://schemas.microsoft.com/office/infopath/2007/PartnerControls">
   <documentManagement>
     <_ip_UnifiedCompliancePolicyUIAction xmlns="http://schemas.microsoft.com/sharepoint/v3" xsi:nil="true"/>
@@ -15458,6 +15685,15 @@
     <MediaServiceKeyPoints xmlns="71af3243-3dd4-4a8d-8c0d-dd76da1f02a5" xsi:nil="true"/>
   </documentManagement>
 </p:properties>
+</file>
+
+<file path=customXml/item2.xml><?xml version="1.0" encoding="utf-8"?>
+<?mso-contentType ?>
+<FormTemplates xmlns="http://schemas.microsoft.com/sharepoint/v3/contenttype/forms">
+  <Display>DocumentLibraryForm</Display>
+  <Edit>DocumentLibraryForm</Edit>
+  <New>DocumentLibraryForm</New>
+</FormTemplates>
 </file>
 
 <file path=customXml/item3.xml><?xml version="1.0" encoding="utf-8"?>
@@ -15773,14 +16009,6 @@
 </file>
 
 <file path=customXml/itemProps1.xml><?xml version="1.0" encoding="utf-8"?>
-<ds:datastoreItem xmlns:ds="http://schemas.openxmlformats.org/officeDocument/2006/customXml" ds:itemID="{731D3D4E-040D-4F59-9215-B1F04B81B9FE}">
-  <ds:schemaRefs>
-    <ds:schemaRef ds:uri="http://schemas.microsoft.com/sharepoint/v3/contenttype/forms"/>
-  </ds:schemaRefs>
-</ds:datastoreItem>
-</file>
-
-<file path=customXml/itemProps2.xml><?xml version="1.0" encoding="utf-8"?>
 <ds:datastoreItem xmlns:ds="http://schemas.openxmlformats.org/officeDocument/2006/customXml" ds:itemID="{3CE52C7A-8834-4F18-859F-7167A187E138}">
   <ds:schemaRefs>
     <ds:schemaRef ds:uri="http://schemas.microsoft.com/office/2006/metadata/properties"/>
@@ -15788,6 +16016,14 @@
     <ds:schemaRef ds:uri="http://schemas.microsoft.com/sharepoint/v3"/>
     <ds:schemaRef ds:uri="71af3243-3dd4-4a8d-8c0d-dd76da1f02a5"/>
     <ds:schemaRef ds:uri="230e9df3-be65-4c73-a93b-d1236ebd677e"/>
+  </ds:schemaRefs>
+</ds:datastoreItem>
+</file>
+
+<file path=customXml/itemProps2.xml><?xml version="1.0" encoding="utf-8"?>
+<ds:datastoreItem xmlns:ds="http://schemas.openxmlformats.org/officeDocument/2006/customXml" ds:itemID="{731D3D4E-040D-4F59-9215-B1F04B81B9FE}">
+  <ds:schemaRefs>
+    <ds:schemaRef ds:uri="http://schemas.microsoft.com/sharepoint/v3/contenttype/forms"/>
   </ds:schemaRefs>
 </ds:datastoreItem>
 </file>

--- a/Presentation2.pptx
+++ b/Presentation2.pptx
@@ -146,7 +146,7 @@
 <p1510:revInfo xmlns:a="http://schemas.openxmlformats.org/drawingml/2006/main" xmlns:r="http://schemas.openxmlformats.org/officeDocument/2006/relationships" xmlns:p1510="http://schemas.microsoft.com/office/powerpoint/2015/10/main">
   <p1510:revLst>
     <p1510:client id="{4F3AAD2A-E3A6-7740-4798-8C87CE52C03B}" v="363" dt="2024-04-21T03:24:55.807"/>
-    <p1510:client id="{684DCA0B-53CF-A864-B903-AC4F7CC1F846}" v="87" dt="2024-04-21T06:56:56.291"/>
+    <p1510:client id="{684DCA0B-53CF-A864-B903-AC4F7CC1F846}" v="112" dt="2024-04-21T07:09:30.006"/>
     <p1510:client id="{A06DDBBA-F856-95CC-9BA5-97D9A75BC8D5}" v="968" dt="2024-04-21T01:07:19.454"/>
   </p1510:revLst>
 </p1510:revInfo>
@@ -12879,27 +12879,38 @@
         </p:spPr>
         <p:txBody>
           <a:bodyPr>
-            <a:normAutofit/>
+            <a:normAutofit lnSpcReduction="10000"/>
           </a:bodyPr>
           <a:lstStyle/>
           <a:p>
+            <a:endParaRPr lang="en-US" dirty="0"/>
+          </a:p>
+          <a:p>
+            <a:endParaRPr lang="en-US" dirty="0"/>
+          </a:p>
+          <a:p>
+            <a:endParaRPr lang="en-US" dirty="0"/>
+          </a:p>
+          <a:p>
             <a:r>
-              <a:rPr lang="en-US" dirty="0" err="1"/>
-              <a:t>Referances</a:t>
+              <a:rPr lang="en-US" dirty="0"/>
+              <a:t>References :</a:t>
             </a:r>
             <a:r>
-              <a:rPr lang="en-US" dirty="0"/>
-              <a:t> : </a:t>
-            </a:r>
-            <a:r>
-              <a:rPr lang="en-US" sz="1800" dirty="0">
+              <a:rPr lang="en-US" dirty="0">
                 <a:ea typeface="+mn-lt"/>
                 <a:cs typeface="+mn-lt"/>
                 <a:hlinkClick r:id="rId3"/>
               </a:rPr>
               <a:t>https://www.ncbi.nlm.nih.gov/pmc/articles/PMC7573467/</a:t>
             </a:r>
-            <a:endParaRPr lang="en-US" sz="1800" dirty="0">
+            <a:endParaRPr lang="en-US">
+              <a:ea typeface="+mn-lt"/>
+              <a:cs typeface="+mn-lt"/>
+            </a:endParaRPr>
+          </a:p>
+          <a:p>
+            <a:endParaRPr lang="en-US" dirty="0">
               <a:ea typeface="+mn-lt"/>
               <a:cs typeface="+mn-lt"/>
             </a:endParaRPr>
@@ -13174,7 +13185,24 @@
             <a:endParaRPr lang="en-US" sz="1800" dirty="0"/>
           </a:p>
           <a:p>
-            <a:endParaRPr lang="en-US" sz="1800" dirty="0"/>
+            <a:r>
+              <a:rPr lang="en-US" sz="1800" dirty="0">
+                <a:solidFill>
+                  <a:srgbClr val="00B050"/>
+                </a:solidFill>
+              </a:rPr>
+              <a:t>Solution : </a:t>
+            </a:r>
+          </a:p>
+          <a:p>
+            <a:r>
+              <a:rPr lang="en-US" dirty="0">
+                <a:ea typeface="+mn-lt"/>
+                <a:cs typeface="+mn-lt"/>
+              </a:rPr>
+              <a:t>Improve medication access for populations.</a:t>
+            </a:r>
+            <a:endParaRPr lang="en-US" dirty="0"/>
           </a:p>
           <a:p>
             <a:pPr>
@@ -13236,7 +13264,7 @@
                 <a:ea typeface="+mn-lt"/>
                 <a:cs typeface="+mn-lt"/>
               </a:rPr>
-              <a:t>Improve medication access for vulnerable populations.</a:t>
+              <a:t>Improve medication access for populations.</a:t>
             </a:r>
           </a:p>
         </p:txBody>
